--- a/Summative/SummativeOutlineAndReview.pptx
+++ b/Summative/SummativeOutlineAndReview.pptx
@@ -247,7 +247,7 @@
           <a:p>
             <a:fld id="{A6521E52-02A1-4077-B556-F2A4B295A93D}" type="datetimeFigureOut">
               <a:rPr lang="en-US" smtClean="0"/>
-              <a:t>1/17/2019</a:t>
+              <a:t>1/18/2019</a:t>
             </a:fld>
             <a:endParaRPr lang="en-US"/>
           </a:p>
@@ -417,7 +417,7 @@
           <a:p>
             <a:fld id="{A6521E52-02A1-4077-B556-F2A4B295A93D}" type="datetimeFigureOut">
               <a:rPr lang="en-US" smtClean="0"/>
-              <a:t>1/17/2019</a:t>
+              <a:t>1/18/2019</a:t>
             </a:fld>
             <a:endParaRPr lang="en-US"/>
           </a:p>
@@ -597,7 +597,7 @@
           <a:p>
             <a:fld id="{A6521E52-02A1-4077-B556-F2A4B295A93D}" type="datetimeFigureOut">
               <a:rPr lang="en-US" smtClean="0"/>
-              <a:t>1/17/2019</a:t>
+              <a:t>1/18/2019</a:t>
             </a:fld>
             <a:endParaRPr lang="en-US"/>
           </a:p>
@@ -767,7 +767,7 @@
           <a:p>
             <a:fld id="{A6521E52-02A1-4077-B556-F2A4B295A93D}" type="datetimeFigureOut">
               <a:rPr lang="en-US" smtClean="0"/>
-              <a:t>1/17/2019</a:t>
+              <a:t>1/18/2019</a:t>
             </a:fld>
             <a:endParaRPr lang="en-US"/>
           </a:p>
@@ -1011,7 +1011,7 @@
           <a:p>
             <a:fld id="{A6521E52-02A1-4077-B556-F2A4B295A93D}" type="datetimeFigureOut">
               <a:rPr lang="en-US" smtClean="0"/>
-              <a:t>1/17/2019</a:t>
+              <a:t>1/18/2019</a:t>
             </a:fld>
             <a:endParaRPr lang="en-US"/>
           </a:p>
@@ -1243,7 +1243,7 @@
           <a:p>
             <a:fld id="{A6521E52-02A1-4077-B556-F2A4B295A93D}" type="datetimeFigureOut">
               <a:rPr lang="en-US" smtClean="0"/>
-              <a:t>1/17/2019</a:t>
+              <a:t>1/18/2019</a:t>
             </a:fld>
             <a:endParaRPr lang="en-US"/>
           </a:p>
@@ -1610,7 +1610,7 @@
           <a:p>
             <a:fld id="{A6521E52-02A1-4077-B556-F2A4B295A93D}" type="datetimeFigureOut">
               <a:rPr lang="en-US" smtClean="0"/>
-              <a:t>1/17/2019</a:t>
+              <a:t>1/18/2019</a:t>
             </a:fld>
             <a:endParaRPr lang="en-US"/>
           </a:p>
@@ -1728,7 +1728,7 @@
           <a:p>
             <a:fld id="{A6521E52-02A1-4077-B556-F2A4B295A93D}" type="datetimeFigureOut">
               <a:rPr lang="en-US" smtClean="0"/>
-              <a:t>1/17/2019</a:t>
+              <a:t>1/18/2019</a:t>
             </a:fld>
             <a:endParaRPr lang="en-US"/>
           </a:p>
@@ -1823,7 +1823,7 @@
           <a:p>
             <a:fld id="{A6521E52-02A1-4077-B556-F2A4B295A93D}" type="datetimeFigureOut">
               <a:rPr lang="en-US" smtClean="0"/>
-              <a:t>1/17/2019</a:t>
+              <a:t>1/18/2019</a:t>
             </a:fld>
             <a:endParaRPr lang="en-US"/>
           </a:p>
@@ -2100,7 +2100,7 @@
           <a:p>
             <a:fld id="{A6521E52-02A1-4077-B556-F2A4B295A93D}" type="datetimeFigureOut">
               <a:rPr lang="en-US" smtClean="0"/>
-              <a:t>1/17/2019</a:t>
+              <a:t>1/18/2019</a:t>
             </a:fld>
             <a:endParaRPr lang="en-US"/>
           </a:p>
@@ -2357,7 +2357,7 @@
           <a:p>
             <a:fld id="{A6521E52-02A1-4077-B556-F2A4B295A93D}" type="datetimeFigureOut">
               <a:rPr lang="en-US" smtClean="0"/>
-              <a:t>1/17/2019</a:t>
+              <a:t>1/18/2019</a:t>
             </a:fld>
             <a:endParaRPr lang="en-US"/>
           </a:p>
@@ -2570,7 +2570,7 @@
           <a:p>
             <a:fld id="{A6521E52-02A1-4077-B556-F2A4B295A93D}" type="datetimeFigureOut">
               <a:rPr lang="en-US" smtClean="0"/>
-              <a:t>1/17/2019</a:t>
+              <a:t>1/18/2019</a:t>
             </a:fld>
             <a:endParaRPr lang="en-US"/>
           </a:p>
@@ -3105,37 +3105,21 @@
           <a:p>
             <a:r>
               <a:rPr lang="en-CA" dirty="0" smtClean="0"/>
-              <a:t>2 </a:t>
-            </a:r>
+              <a:t>2 Days</a:t>
+            </a:r>
+          </a:p>
+          <a:p>
+            <a:pPr lvl="1"/>
             <a:r>
               <a:rPr lang="en-CA" dirty="0" smtClean="0"/>
-              <a:t>Days</a:t>
+              <a:t>Day 1 – Monday, Jan 21</a:t>
             </a:r>
           </a:p>
           <a:p>
             <a:pPr lvl="1"/>
             <a:r>
               <a:rPr lang="en-CA" dirty="0" smtClean="0"/>
-              <a:t>Day 1 </a:t>
-            </a:r>
-            <a:r>
-              <a:rPr lang="en-CA" dirty="0" smtClean="0"/>
-              <a:t>– Monday, Jan 21</a:t>
-            </a:r>
-          </a:p>
-          <a:p>
-            <a:pPr lvl="1"/>
-            <a:r>
-              <a:rPr lang="en-CA" dirty="0" smtClean="0"/>
-              <a:t>Day </a:t>
-            </a:r>
-            <a:r>
-              <a:rPr lang="en-CA" dirty="0" smtClean="0"/>
-              <a:t>2 </a:t>
-            </a:r>
-            <a:r>
-              <a:rPr lang="en-CA" dirty="0" smtClean="0"/>
-              <a:t>– Tuesday, Jan 22</a:t>
+              <a:t>Day 2 – Tuesday, Jan 22</a:t>
             </a:r>
           </a:p>
           <a:p>
@@ -3161,22 +3145,14 @@
             <a:pPr lvl="1"/>
             <a:r>
               <a:rPr lang="en-CA" dirty="0" smtClean="0"/>
-              <a:t>5 </a:t>
-            </a:r>
+              <a:t>5 Multiple Choice</a:t>
+            </a:r>
+          </a:p>
+          <a:p>
+            <a:pPr lvl="1"/>
             <a:r>
               <a:rPr lang="en-CA" dirty="0" smtClean="0"/>
-              <a:t>Multiple Choice</a:t>
-            </a:r>
-          </a:p>
-          <a:p>
-            <a:pPr lvl="1"/>
-            <a:r>
-              <a:rPr lang="en-CA" dirty="0" smtClean="0"/>
-              <a:t>One Main </a:t>
-            </a:r>
-            <a:r>
-              <a:rPr lang="en-CA" dirty="0" smtClean="0"/>
-              <a:t>Task</a:t>
+              <a:t>One Main Task</a:t>
             </a:r>
           </a:p>
           <a:p>
@@ -3185,17 +3161,12 @@
               <a:rPr lang="en-CA" dirty="0" smtClean="0"/>
               <a:t>One Software Development Lifecycle (SDLC) Reflection</a:t>
             </a:r>
-            <a:endParaRPr lang="en-CA" dirty="0" smtClean="0"/>
           </a:p>
           <a:p>
             <a:pPr lvl="1"/>
             <a:r>
               <a:rPr lang="en-CA" dirty="0" smtClean="0"/>
-              <a:t>2 Short </a:t>
-            </a:r>
-            <a:r>
-              <a:rPr lang="en-CA" dirty="0" smtClean="0"/>
-              <a:t>Answer Questions</a:t>
+              <a:t>2 Short Answer Questions</a:t>
             </a:r>
             <a:endParaRPr lang="en-CA" dirty="0"/>
           </a:p>
@@ -3277,7 +3248,7 @@
         <p:spPr/>
         <p:txBody>
           <a:bodyPr>
-            <a:normAutofit fontScale="47500" lnSpcReduction="20000"/>
+            <a:normAutofit fontScale="77500" lnSpcReduction="20000"/>
           </a:bodyPr>
           <a:lstStyle/>
           <a:p>
@@ -3287,37 +3258,43 @@
             </a:r>
           </a:p>
           <a:p>
-            <a:r>
-              <a:rPr lang="en-US" dirty="0" smtClean="0"/>
-              <a:t>B2</a:t>
-            </a:r>
-            <a:r>
-              <a:rPr lang="en-US" dirty="0"/>
-              <a:t>. design software solutions using object-oriented programming concepts</a:t>
-            </a:r>
-            <a:r>
-              <a:rPr lang="en-US" dirty="0" smtClean="0"/>
-              <a:t>;</a:t>
-            </a:r>
-          </a:p>
-          <a:p>
-            <a:r>
-              <a:rPr lang="en-US" dirty="0" smtClean="0"/>
-              <a:t>A3</a:t>
-            </a:r>
-            <a:r>
-              <a:rPr lang="en-US" dirty="0"/>
-              <a:t>. demonstrate an understanding of object-oriented programming concepts and practices in the design</a:t>
-            </a:r>
-          </a:p>
-          <a:p>
-            <a:r>
-              <a:rPr lang="en-US" dirty="0"/>
-              <a:t>and creation of computer programs;</a:t>
-            </a:r>
-          </a:p>
-          <a:p>
-            <a:endParaRPr lang="en-US" dirty="0" smtClean="0"/>
+            <a:pPr lvl="1"/>
+            <a:r>
+              <a:rPr lang="en-US" sz="2300" dirty="0" smtClean="0"/>
+              <a:t>Write a block of Java code that demonstrates how to use object-oriented </a:t>
+            </a:r>
+            <a:r>
+              <a:rPr lang="en-US" sz="2300" dirty="0"/>
+              <a:t>programming concepts and practices in the </a:t>
+            </a:r>
+            <a:r>
+              <a:rPr lang="en-US" sz="2300" dirty="0" smtClean="0"/>
+              <a:t>design and </a:t>
+            </a:r>
+            <a:r>
+              <a:rPr lang="en-US" sz="2300" dirty="0"/>
+              <a:t>creation of computer </a:t>
+            </a:r>
+            <a:r>
+              <a:rPr lang="en-US" sz="2300" dirty="0" smtClean="0"/>
+              <a:t>programs.</a:t>
+            </a:r>
+          </a:p>
+          <a:p>
+            <a:pPr lvl="1"/>
+            <a:r>
+              <a:rPr lang="en-CA" sz="2300" dirty="0" smtClean="0"/>
+              <a:t>Study Tip: Make a list of key </a:t>
+            </a:r>
+            <a:r>
+              <a:rPr lang="en-US" sz="2300" dirty="0"/>
+              <a:t>object-oriented programming </a:t>
+            </a:r>
+            <a:r>
+              <a:rPr lang="en-US" sz="2300" dirty="0" smtClean="0"/>
+              <a:t>concepts.</a:t>
+            </a:r>
+            <a:endParaRPr lang="en-US" sz="2300" dirty="0"/>
           </a:p>
           <a:p>
             <a:endParaRPr lang="en-CA" dirty="0"/>
@@ -3330,16 +3307,34 @@
             <a:endParaRPr lang="en-CA" dirty="0"/>
           </a:p>
           <a:p>
-            <a:r>
-              <a:rPr lang="en-US" dirty="0"/>
-              <a:t>B4. participate in a large student-managed project, using proper project management tools and</a:t>
-            </a:r>
-          </a:p>
-          <a:p>
-            <a:r>
-              <a:rPr lang="en-US" dirty="0"/>
-              <a:t>techniques to manage the process effectively.</a:t>
-            </a:r>
+            <a:pPr lvl="1"/>
+            <a:r>
+              <a:rPr lang="en-US" sz="2300" dirty="0" smtClean="0"/>
+              <a:t>Reflect on you participation </a:t>
+            </a:r>
+            <a:r>
+              <a:rPr lang="en-US" sz="2300" dirty="0"/>
+              <a:t>in a </a:t>
+            </a:r>
+            <a:r>
+              <a:rPr lang="en-US" sz="2300" dirty="0" smtClean="0"/>
+              <a:t>student-managed project with respect to:</a:t>
+            </a:r>
+          </a:p>
+          <a:p>
+            <a:pPr lvl="2"/>
+            <a:r>
+              <a:rPr lang="en-CA" sz="2300" dirty="0" smtClean="0"/>
+              <a:t>Initial Planning</a:t>
+            </a:r>
+          </a:p>
+          <a:p>
+            <a:pPr lvl="2"/>
+            <a:r>
+              <a:rPr lang="en-CA" sz="2300" dirty="0" smtClean="0"/>
+              <a:t>Design</a:t>
+            </a:r>
+            <a:endParaRPr lang="en-US" sz="2300" dirty="0"/>
           </a:p>
           <a:p>
             <a:pPr lvl="1"/>
@@ -3348,64 +3343,67 @@
           <a:p>
             <a:r>
               <a:rPr lang="en-CA" dirty="0" smtClean="0"/>
-              <a:t>Short </a:t>
-            </a:r>
-            <a:r>
-              <a:rPr lang="en-CA" dirty="0" smtClean="0"/>
-              <a:t>Answer Question Topics</a:t>
-            </a:r>
-          </a:p>
-          <a:p>
-            <a:r>
-              <a:rPr lang="en-US" dirty="0" smtClean="0"/>
-              <a:t>D1</a:t>
-            </a:r>
-            <a:r>
-              <a:rPr lang="en-US" dirty="0"/>
-              <a:t>. </a:t>
-            </a:r>
-            <a:r>
-              <a:rPr lang="en-US" dirty="0" err="1"/>
-              <a:t>analyse</a:t>
-            </a:r>
-            <a:r>
-              <a:rPr lang="en-US" dirty="0"/>
-              <a:t> and apply strategies that promote environmental stewardship with respect to the use</a:t>
-            </a:r>
-          </a:p>
-          <a:p>
-            <a:r>
-              <a:rPr lang="en-US" dirty="0"/>
-              <a:t>of computers and related technologies</a:t>
-            </a:r>
-            <a:r>
-              <a:rPr lang="en-US" dirty="0" smtClean="0"/>
-              <a:t>; (</a:t>
-            </a:r>
-            <a:r>
-              <a:rPr lang="en-US" dirty="0" err="1" smtClean="0"/>
-              <a:t>Bitcoin</a:t>
-            </a:r>
-            <a:r>
-              <a:rPr lang="en-US" dirty="0" smtClean="0"/>
-              <a:t>)</a:t>
-            </a:r>
-            <a:endParaRPr lang="en-US" dirty="0"/>
-          </a:p>
-          <a:p>
-            <a:r>
-              <a:rPr lang="en-US" dirty="0"/>
-              <a:t>D2. demonstrate an understanding of ethical issues and practices related to the use of computers</a:t>
-            </a:r>
-            <a:r>
-              <a:rPr lang="en-US" dirty="0" smtClean="0"/>
-              <a:t>; (Virus, SIM Swap)</a:t>
-            </a:r>
-            <a:endParaRPr lang="en-US" dirty="0"/>
+              <a:t>Short Answer Question Topics</a:t>
+            </a:r>
           </a:p>
           <a:p>
             <a:pPr lvl="1"/>
-            <a:endParaRPr lang="en-US" dirty="0"/>
+            <a:r>
+              <a:rPr lang="en-US" sz="2300" dirty="0" err="1" smtClean="0"/>
+              <a:t>Analyse</a:t>
+            </a:r>
+            <a:r>
+              <a:rPr lang="en-US" sz="2300" dirty="0" smtClean="0"/>
+              <a:t> an environmental issue with </a:t>
+            </a:r>
+            <a:r>
+              <a:rPr lang="en-US" sz="2300" dirty="0"/>
+              <a:t>respect to the </a:t>
+            </a:r>
+            <a:r>
+              <a:rPr lang="en-US" sz="2300" dirty="0" smtClean="0"/>
+              <a:t>use of </a:t>
+            </a:r>
+            <a:r>
+              <a:rPr lang="en-US" sz="2300" dirty="0"/>
+              <a:t>computers and related </a:t>
+            </a:r>
+            <a:r>
+              <a:rPr lang="en-US" sz="2300" dirty="0" smtClean="0"/>
+              <a:t>technologies</a:t>
+            </a:r>
+            <a:r>
+              <a:rPr lang="en-US" sz="2300" dirty="0"/>
+              <a:t>.</a:t>
+            </a:r>
+            <a:endParaRPr lang="en-US" sz="2300" dirty="0" smtClean="0"/>
+          </a:p>
+          <a:p>
+            <a:pPr lvl="1"/>
+            <a:r>
+              <a:rPr lang="en-US" sz="2300" dirty="0" err="1"/>
+              <a:t>Analyse</a:t>
+            </a:r>
+            <a:r>
+              <a:rPr lang="en-US" sz="2300" dirty="0"/>
+              <a:t> </a:t>
+            </a:r>
+            <a:r>
+              <a:rPr lang="en-US" sz="2300" dirty="0" smtClean="0"/>
+              <a:t>some ethical </a:t>
+            </a:r>
+            <a:r>
+              <a:rPr lang="en-US" sz="2300" dirty="0"/>
+              <a:t>issues and practices related to the use of </a:t>
+            </a:r>
+            <a:r>
+              <a:rPr lang="en-US" sz="2300" dirty="0" smtClean="0"/>
+              <a:t>computers</a:t>
+            </a:r>
+            <a:r>
+              <a:rPr lang="en-US" sz="2300" dirty="0"/>
+              <a:t>.</a:t>
+            </a:r>
           </a:p>
           <a:p>
             <a:pPr lvl="1"/>
@@ -3489,124 +3487,187 @@
         <p:spPr/>
         <p:txBody>
           <a:bodyPr>
-            <a:normAutofit fontScale="47500" lnSpcReduction="20000"/>
+            <a:normAutofit fontScale="62500" lnSpcReduction="20000"/>
           </a:bodyPr>
           <a:lstStyle/>
           <a:p>
             <a:r>
-              <a:rPr lang="en-CA" dirty="0" smtClean="0"/>
+              <a:rPr lang="en-CA" sz="3200" dirty="0" smtClean="0"/>
               <a:t>Main Task Topic</a:t>
             </a:r>
           </a:p>
           <a:p>
-            <a:r>
-              <a:rPr lang="en-US" dirty="0"/>
-              <a:t>B3. design user-friendly graphical user interfaces (GUIs) that meet user requirements</a:t>
-            </a:r>
-            <a:r>
-              <a:rPr lang="en-US" dirty="0" smtClean="0"/>
-              <a:t>;</a:t>
-            </a:r>
-          </a:p>
-          <a:p>
-            <a:r>
-              <a:rPr lang="en-US" dirty="0"/>
-              <a:t>B1. design standard algorithms according to specifications</a:t>
-            </a:r>
-            <a:r>
-              <a:rPr lang="en-US" dirty="0" smtClean="0"/>
-              <a:t>;</a:t>
-            </a:r>
-          </a:p>
-          <a:p>
-            <a:r>
-              <a:rPr lang="en-US" dirty="0"/>
-              <a:t>A1. use data structures in the design and creation of computer programs;</a:t>
-            </a:r>
-          </a:p>
-          <a:p>
-            <a:r>
-              <a:rPr lang="en-US" dirty="0"/>
-              <a:t>A2. demonstrate the ability to use standard algorithms in the design and creation of computer programs;</a:t>
-            </a:r>
-          </a:p>
-          <a:p>
-            <a:endParaRPr lang="en-US" dirty="0"/>
-          </a:p>
-          <a:p>
-            <a:endParaRPr lang="en-US" dirty="0"/>
-          </a:p>
-          <a:p>
-            <a:endParaRPr lang="en-CA" dirty="0"/>
-          </a:p>
-          <a:p>
-            <a:r>
-              <a:rPr lang="en-CA" dirty="0"/>
+            <a:pPr lvl="1"/>
+            <a:r>
+              <a:rPr lang="en-US" sz="2600" dirty="0"/>
+              <a:t>Write a block of Java code that demonstrates </a:t>
+            </a:r>
+            <a:r>
+              <a:rPr lang="en-US" sz="2600" dirty="0" smtClean="0"/>
+              <a:t>some features of user-friendly </a:t>
+            </a:r>
+            <a:r>
+              <a:rPr lang="en-US" sz="2600" dirty="0"/>
+              <a:t>graphical user </a:t>
+            </a:r>
+            <a:r>
+              <a:rPr lang="en-US" sz="2600" dirty="0" smtClean="0"/>
+              <a:t>interface </a:t>
+            </a:r>
+            <a:r>
+              <a:rPr lang="en-US" sz="2600" dirty="0"/>
+              <a:t>(</a:t>
+            </a:r>
+            <a:r>
+              <a:rPr lang="en-US" sz="2600" dirty="0" smtClean="0"/>
+              <a:t>GUI). </a:t>
+            </a:r>
+          </a:p>
+          <a:p>
+            <a:pPr lvl="1"/>
+            <a:r>
+              <a:rPr lang="en-US" sz="2600" dirty="0" smtClean="0"/>
+              <a:t>Write </a:t>
+            </a:r>
+            <a:r>
+              <a:rPr lang="en-US" sz="2600" dirty="0"/>
+              <a:t>a block of Java code that demonstrates </a:t>
+            </a:r>
+            <a:r>
+              <a:rPr lang="en-US" sz="2600" dirty="0" smtClean="0"/>
+              <a:t>the use of data </a:t>
+            </a:r>
+            <a:r>
+              <a:rPr lang="en-US" sz="2600" dirty="0"/>
+              <a:t>structures </a:t>
+            </a:r>
+            <a:r>
+              <a:rPr lang="en-US" sz="2600" dirty="0" smtClean="0"/>
+              <a:t>and standard mathematical algorithms </a:t>
+            </a:r>
+            <a:r>
+              <a:rPr lang="en-US" sz="2600" dirty="0"/>
+              <a:t>in the design and creation of computer </a:t>
+            </a:r>
+            <a:r>
+              <a:rPr lang="en-US" sz="2600" dirty="0" smtClean="0"/>
+              <a:t>programs.</a:t>
+            </a:r>
+            <a:endParaRPr lang="en-US" sz="2600" dirty="0"/>
+          </a:p>
+          <a:p>
+            <a:endParaRPr lang="en-CA" sz="2600" dirty="0"/>
+          </a:p>
+          <a:p>
+            <a:r>
+              <a:rPr lang="en-CA" sz="3200" dirty="0"/>
               <a:t>SDLC Reflection</a:t>
             </a:r>
           </a:p>
           <a:p>
             <a:pPr lvl="1"/>
             <a:r>
-              <a:rPr lang="en-US" dirty="0"/>
-              <a:t>C2. demonstrate the ability to use software development tools to design and write a computer program</a:t>
-            </a:r>
-            <a:r>
-              <a:rPr lang="en-US" dirty="0" smtClean="0"/>
+              <a:rPr lang="en-US" sz="2600" dirty="0"/>
+              <a:t>Reflect on you participation in a student-managed project with respect to:</a:t>
+            </a:r>
+          </a:p>
+          <a:p>
+            <a:pPr lvl="2"/>
+            <a:r>
+              <a:rPr lang="en-CA" sz="2600" dirty="0" smtClean="0"/>
+              <a:t>Testing</a:t>
+            </a:r>
+            <a:endParaRPr lang="en-CA" sz="2600" dirty="0"/>
+          </a:p>
+          <a:p>
+            <a:pPr lvl="2"/>
+            <a:r>
+              <a:rPr lang="en-CA" sz="2600" dirty="0" smtClean="0"/>
+              <a:t>Delivery</a:t>
+            </a:r>
+          </a:p>
+          <a:p>
+            <a:pPr marL="914400" lvl="2" indent="0">
+              <a:buNone/>
+            </a:pPr>
+            <a:endParaRPr lang="en-US" sz="2300" dirty="0"/>
+          </a:p>
+          <a:p>
+            <a:r>
+              <a:rPr lang="en-CA" sz="3200" dirty="0" smtClean="0"/>
+              <a:t>Short Answer Question Topics</a:t>
+            </a:r>
+          </a:p>
+          <a:p>
+            <a:pPr marL="685800" lvl="2">
+              <a:spcBef>
+                <a:spcPts val="1000"/>
+              </a:spcBef>
+            </a:pPr>
+            <a:r>
+              <a:rPr lang="en-US" sz="2600" dirty="0" smtClean="0"/>
+              <a:t>Explain how you used different software </a:t>
+            </a:r>
+            <a:r>
+              <a:rPr lang="en-US" sz="2600" dirty="0"/>
+              <a:t>development tools to design and write a computer program.</a:t>
+            </a:r>
+          </a:p>
+          <a:p>
+            <a:pPr lvl="1"/>
+            <a:r>
+              <a:rPr lang="en-US" sz="2600" dirty="0" smtClean="0"/>
+              <a:t>Provide some examples of the development of computer </a:t>
+            </a:r>
+            <a:r>
+              <a:rPr lang="en-US" sz="2600" dirty="0"/>
+              <a:t>technologies and their potential impact on </a:t>
+            </a:r>
+            <a:r>
+              <a:rPr lang="en-US" sz="2600" dirty="0" smtClean="0"/>
+              <a:t>society and </a:t>
+            </a:r>
+            <a:r>
+              <a:rPr lang="en-US" sz="2600" dirty="0"/>
+              <a:t>the </a:t>
+            </a:r>
+            <a:r>
+              <a:rPr lang="en-US" sz="2600" dirty="0" smtClean="0"/>
+              <a:t>economy.</a:t>
+            </a:r>
+            <a:endParaRPr lang="en-US" sz="2600" dirty="0"/>
+          </a:p>
+          <a:p>
+            <a:pPr lvl="1"/>
+            <a:r>
+              <a:rPr lang="en-US" sz="2600" dirty="0" smtClean="0"/>
+              <a:t>Report </a:t>
+            </a:r>
+            <a:r>
+              <a:rPr lang="en-US" sz="2600" dirty="0"/>
+              <a:t>on </a:t>
+            </a:r>
+            <a:r>
+              <a:rPr lang="en-US" sz="2600" dirty="0" smtClean="0"/>
+              <a:t>some career </a:t>
+            </a:r>
+            <a:r>
+              <a:rPr lang="en-US" sz="2600" dirty="0"/>
+              <a:t>paths </a:t>
+            </a:r>
+            <a:r>
+              <a:rPr lang="en-US" sz="2600" dirty="0" smtClean="0"/>
+              <a:t>that will be affected by development of </a:t>
+            </a:r>
+            <a:r>
+              <a:rPr lang="en-US" sz="2600" dirty="0"/>
+              <a:t>new computer technologies </a:t>
+            </a:r>
+            <a:r>
+              <a:rPr lang="en-US" sz="2600" dirty="0" smtClean="0"/>
               <a:t>.</a:t>
             </a:r>
-          </a:p>
-          <a:p>
-            <a:pPr lvl="1"/>
-            <a:endParaRPr lang="en-US" dirty="0"/>
-          </a:p>
-          <a:p>
-            <a:r>
-              <a:rPr lang="en-CA" dirty="0" smtClean="0"/>
-              <a:t>Short </a:t>
-            </a:r>
-            <a:r>
-              <a:rPr lang="en-CA" dirty="0" smtClean="0"/>
-              <a:t>Answer Question </a:t>
-            </a:r>
-            <a:r>
-              <a:rPr lang="en-CA" dirty="0" smtClean="0"/>
-              <a:t>Topics</a:t>
-            </a:r>
-          </a:p>
-          <a:p>
-            <a:r>
-              <a:rPr lang="en-US" dirty="0"/>
-              <a:t>D3. investigate and report on emerging computer technologies and their potential impact on society</a:t>
-            </a:r>
-          </a:p>
-          <a:p>
-            <a:r>
-              <a:rPr lang="en-US" dirty="0"/>
-              <a:t>and the economy</a:t>
-            </a:r>
-            <a:r>
-              <a:rPr lang="en-US" dirty="0" smtClean="0"/>
-              <a:t>; (AI, Heroes)</a:t>
-            </a:r>
-            <a:endParaRPr lang="en-US" dirty="0"/>
-          </a:p>
-          <a:p>
-            <a:r>
-              <a:rPr lang="en-US" dirty="0"/>
-              <a:t>D4. research and report on the range of career paths and lifelong learning opportunities in software</a:t>
-            </a:r>
-          </a:p>
-          <a:p>
-            <a:r>
-              <a:rPr lang="en-US" dirty="0"/>
-              <a:t>development or a computer-related field</a:t>
-            </a:r>
-            <a:r>
-              <a:rPr lang="en-US" dirty="0" smtClean="0"/>
-              <a:t>. (AI)</a:t>
-            </a:r>
-            <a:endParaRPr lang="en-CA" dirty="0" smtClean="0"/>
+            <a:endParaRPr lang="en-CA" sz="2600" dirty="0" smtClean="0"/>
           </a:p>
           <a:p>
             <a:endParaRPr lang="en-US" dirty="0"/>
